--- a/사전 과제/쿡앱스_캐주얼게임기획자/이미지.pptx
+++ b/사전 과제/쿡앱스_캐주얼게임기획자/이미지.pptx
@@ -14,6 +14,9 @@
     <p:sldId id="263" r:id="rId8"/>
     <p:sldId id="264" r:id="rId9"/>
     <p:sldId id="265" r:id="rId10"/>
+    <p:sldId id="266" r:id="rId11"/>
+    <p:sldId id="267" r:id="rId12"/>
+    <p:sldId id="268" r:id="rId13"/>
   </p:sldIdLst>
   <p:sldSz cx="12192000" cy="6858000"/>
   <p:notesSz cx="6858000" cy="9144000"/>
@@ -3869,7 +3872,7 @@
           <a:p>
             <a:fld id="{FF980DD4-62EE-4E81-80D9-7E12A3C69789}" type="datetimeFigureOut">
               <a:rPr lang="ko-KR" altLang="en-US" smtClean="0"/>
-              <a:t>2025-11-12</a:t>
+              <a:t>2025-11-13</a:t>
             </a:fld>
             <a:endParaRPr lang="ko-KR" altLang="en-US"/>
           </a:p>
@@ -4067,7 +4070,7 @@
           <a:p>
             <a:fld id="{FF980DD4-62EE-4E81-80D9-7E12A3C69789}" type="datetimeFigureOut">
               <a:rPr lang="ko-KR" altLang="en-US" smtClean="0"/>
-              <a:t>2025-11-12</a:t>
+              <a:t>2025-11-13</a:t>
             </a:fld>
             <a:endParaRPr lang="ko-KR" altLang="en-US"/>
           </a:p>
@@ -4275,7 +4278,7 @@
           <a:p>
             <a:fld id="{FF980DD4-62EE-4E81-80D9-7E12A3C69789}" type="datetimeFigureOut">
               <a:rPr lang="ko-KR" altLang="en-US" smtClean="0"/>
-              <a:t>2025-11-12</a:t>
+              <a:t>2025-11-13</a:t>
             </a:fld>
             <a:endParaRPr lang="ko-KR" altLang="en-US"/>
           </a:p>
@@ -4473,7 +4476,7 @@
           <a:p>
             <a:fld id="{FF980DD4-62EE-4E81-80D9-7E12A3C69789}" type="datetimeFigureOut">
               <a:rPr lang="ko-KR" altLang="en-US" smtClean="0"/>
-              <a:t>2025-11-12</a:t>
+              <a:t>2025-11-13</a:t>
             </a:fld>
             <a:endParaRPr lang="ko-KR" altLang="en-US"/>
           </a:p>
@@ -4748,7 +4751,7 @@
           <a:p>
             <a:fld id="{FF980DD4-62EE-4E81-80D9-7E12A3C69789}" type="datetimeFigureOut">
               <a:rPr lang="ko-KR" altLang="en-US" smtClean="0"/>
-              <a:t>2025-11-12</a:t>
+              <a:t>2025-11-13</a:t>
             </a:fld>
             <a:endParaRPr lang="ko-KR" altLang="en-US"/>
           </a:p>
@@ -5013,7 +5016,7 @@
           <a:p>
             <a:fld id="{FF980DD4-62EE-4E81-80D9-7E12A3C69789}" type="datetimeFigureOut">
               <a:rPr lang="ko-KR" altLang="en-US" smtClean="0"/>
-              <a:t>2025-11-12</a:t>
+              <a:t>2025-11-13</a:t>
             </a:fld>
             <a:endParaRPr lang="ko-KR" altLang="en-US"/>
           </a:p>
@@ -5425,7 +5428,7 @@
           <a:p>
             <a:fld id="{FF980DD4-62EE-4E81-80D9-7E12A3C69789}" type="datetimeFigureOut">
               <a:rPr lang="ko-KR" altLang="en-US" smtClean="0"/>
-              <a:t>2025-11-12</a:t>
+              <a:t>2025-11-13</a:t>
             </a:fld>
             <a:endParaRPr lang="ko-KR" altLang="en-US"/>
           </a:p>
@@ -5566,7 +5569,7 @@
           <a:p>
             <a:fld id="{FF980DD4-62EE-4E81-80D9-7E12A3C69789}" type="datetimeFigureOut">
               <a:rPr lang="ko-KR" altLang="en-US" smtClean="0"/>
-              <a:t>2025-11-12</a:t>
+              <a:t>2025-11-13</a:t>
             </a:fld>
             <a:endParaRPr lang="ko-KR" altLang="en-US"/>
           </a:p>
@@ -5679,7 +5682,7 @@
           <a:p>
             <a:fld id="{FF980DD4-62EE-4E81-80D9-7E12A3C69789}" type="datetimeFigureOut">
               <a:rPr lang="ko-KR" altLang="en-US" smtClean="0"/>
-              <a:t>2025-11-12</a:t>
+              <a:t>2025-11-13</a:t>
             </a:fld>
             <a:endParaRPr lang="ko-KR" altLang="en-US"/>
           </a:p>
@@ -5990,7 +5993,7 @@
           <a:p>
             <a:fld id="{FF980DD4-62EE-4E81-80D9-7E12A3C69789}" type="datetimeFigureOut">
               <a:rPr lang="ko-KR" altLang="en-US" smtClean="0"/>
-              <a:t>2025-11-12</a:t>
+              <a:t>2025-11-13</a:t>
             </a:fld>
             <a:endParaRPr lang="ko-KR" altLang="en-US"/>
           </a:p>
@@ -6278,7 +6281,7 @@
           <a:p>
             <a:fld id="{FF980DD4-62EE-4E81-80D9-7E12A3C69789}" type="datetimeFigureOut">
               <a:rPr lang="ko-KR" altLang="en-US" smtClean="0"/>
-              <a:t>2025-11-12</a:t>
+              <a:t>2025-11-13</a:t>
             </a:fld>
             <a:endParaRPr lang="ko-KR" altLang="en-US"/>
           </a:p>
@@ -6519,7 +6522,7 @@
           <a:p>
             <a:fld id="{FF980DD4-62EE-4E81-80D9-7E12A3C69789}" type="datetimeFigureOut">
               <a:rPr lang="ko-KR" altLang="en-US" smtClean="0"/>
-              <a:t>2025-11-12</a:t>
+              <a:t>2025-11-13</a:t>
             </a:fld>
             <a:endParaRPr lang="ko-KR" altLang="en-US"/>
           </a:p>
@@ -7191,6 +7194,1516 @@
     <p:extLst>
       <p:ext uri="{BB962C8B-B14F-4D97-AF65-F5344CB8AC3E}">
         <p14:creationId xmlns:p14="http://schemas.microsoft.com/office/powerpoint/2010/main" val="2817616356"/>
+      </p:ext>
+    </p:extLst>
+  </p:cSld>
+  <p:clrMapOvr>
+    <a:masterClrMapping/>
+  </p:clrMapOvr>
+</p:sld>
+</file>
+
+<file path=ppt/slides/slide10.xml><?xml version="1.0" encoding="utf-8"?>
+<p:sld xmlns:a="http://schemas.openxmlformats.org/drawingml/2006/main" xmlns:r="http://schemas.openxmlformats.org/officeDocument/2006/relationships" xmlns:p="http://schemas.openxmlformats.org/presentationml/2006/main">
+  <p:cSld>
+    <p:spTree>
+      <p:nvGrpSpPr>
+        <p:cNvPr id="1" name=""/>
+        <p:cNvGrpSpPr/>
+        <p:nvPr/>
+      </p:nvGrpSpPr>
+      <p:grpSpPr>
+        <a:xfrm>
+          <a:off x="0" y="0"/>
+          <a:ext cx="0" cy="0"/>
+          <a:chOff x="0" y="0"/>
+          <a:chExt cx="0" cy="0"/>
+        </a:xfrm>
+      </p:grpSpPr>
+      <p:pic>
+        <p:nvPicPr>
+          <p:cNvPr id="8" name="그림 7">
+            <a:extLst>
+              <a:ext uri="{FF2B5EF4-FFF2-40B4-BE49-F238E27FC236}">
+                <a16:creationId xmlns:a16="http://schemas.microsoft.com/office/drawing/2014/main" id="{60CE07A7-1385-0377-4ACC-83D2FFB98C82}"/>
+              </a:ext>
+            </a:extLst>
+          </p:cNvPr>
+          <p:cNvPicPr>
+            <a:picLocks noChangeAspect="1"/>
+          </p:cNvPicPr>
+          <p:nvPr/>
+        </p:nvPicPr>
+        <p:blipFill>
+          <a:blip r:embed="rId2"/>
+          <a:srcRect l="1" t="11473" r="1"/>
+          <a:stretch>
+            <a:fillRect/>
+          </a:stretch>
+        </p:blipFill>
+        <p:spPr>
+          <a:xfrm>
+            <a:off x="0" y="-428263"/>
+            <a:ext cx="12192000" cy="3065246"/>
+          </a:xfrm>
+          <a:prstGeom prst="rect">
+            <a:avLst/>
+          </a:prstGeom>
+        </p:spPr>
+      </p:pic>
+      <p:pic>
+        <p:nvPicPr>
+          <p:cNvPr id="5" name="그림 4">
+            <a:extLst>
+              <a:ext uri="{FF2B5EF4-FFF2-40B4-BE49-F238E27FC236}">
+                <a16:creationId xmlns:a16="http://schemas.microsoft.com/office/drawing/2014/main" id="{72F7F525-0C64-60DF-4549-268CC4916C88}"/>
+              </a:ext>
+            </a:extLst>
+          </p:cNvPr>
+          <p:cNvPicPr>
+            <a:picLocks noChangeAspect="1"/>
+          </p:cNvPicPr>
+          <p:nvPr/>
+        </p:nvPicPr>
+        <p:blipFill>
+          <a:blip r:embed="rId2"/>
+          <a:srcRect t="11473" r="63450"/>
+          <a:stretch>
+            <a:fillRect/>
+          </a:stretch>
+        </p:blipFill>
+        <p:spPr>
+          <a:xfrm>
+            <a:off x="0" y="2688395"/>
+            <a:ext cx="4456253" cy="3065246"/>
+          </a:xfrm>
+          <a:prstGeom prst="rect">
+            <a:avLst/>
+          </a:prstGeom>
+        </p:spPr>
+      </p:pic>
+      <p:pic>
+        <p:nvPicPr>
+          <p:cNvPr id="7" name="그림 6">
+            <a:extLst>
+              <a:ext uri="{FF2B5EF4-FFF2-40B4-BE49-F238E27FC236}">
+                <a16:creationId xmlns:a16="http://schemas.microsoft.com/office/drawing/2014/main" id="{CC4D95EC-47A9-E1F4-11C9-9F9EEEA2C9ED}"/>
+              </a:ext>
+            </a:extLst>
+          </p:cNvPr>
+          <p:cNvPicPr>
+            <a:picLocks noChangeAspect="1"/>
+          </p:cNvPicPr>
+          <p:nvPr/>
+        </p:nvPicPr>
+        <p:blipFill>
+          <a:blip r:embed="rId2"/>
+          <a:srcRect l="68449" t="11473"/>
+          <a:stretch>
+            <a:fillRect/>
+          </a:stretch>
+        </p:blipFill>
+        <p:spPr>
+          <a:xfrm>
+            <a:off x="6701740" y="2688395"/>
+            <a:ext cx="3846653" cy="3065246"/>
+          </a:xfrm>
+          <a:prstGeom prst="rect">
+            <a:avLst/>
+          </a:prstGeom>
+        </p:spPr>
+      </p:pic>
+    </p:spTree>
+    <p:extLst>
+      <p:ext uri="{BB962C8B-B14F-4D97-AF65-F5344CB8AC3E}">
+        <p14:creationId xmlns:p14="http://schemas.microsoft.com/office/powerpoint/2010/main" val="4173321473"/>
+      </p:ext>
+    </p:extLst>
+  </p:cSld>
+  <p:clrMapOvr>
+    <a:masterClrMapping/>
+  </p:clrMapOvr>
+</p:sld>
+</file>
+
+<file path=ppt/slides/slide11.xml><?xml version="1.0" encoding="utf-8"?>
+<p:sld xmlns:a="http://schemas.openxmlformats.org/drawingml/2006/main" xmlns:r="http://schemas.openxmlformats.org/officeDocument/2006/relationships" xmlns:p="http://schemas.openxmlformats.org/presentationml/2006/main">
+  <p:cSld>
+    <p:spTree>
+      <p:nvGrpSpPr>
+        <p:cNvPr id="1" name=""/>
+        <p:cNvGrpSpPr/>
+        <p:nvPr/>
+      </p:nvGrpSpPr>
+      <p:grpSpPr>
+        <a:xfrm>
+          <a:off x="0" y="0"/>
+          <a:ext cx="0" cy="0"/>
+          <a:chOff x="0" y="0"/>
+          <a:chExt cx="0" cy="0"/>
+        </a:xfrm>
+      </p:grpSpPr>
+      <p:pic>
+        <p:nvPicPr>
+          <p:cNvPr id="4" name="그림 3" descr="kr-sensor-tower-state-of-mobile-gaming-2025(pg6)">
+            <a:extLst>
+              <a:ext uri="{FF2B5EF4-FFF2-40B4-BE49-F238E27FC236}">
+                <a16:creationId xmlns:a16="http://schemas.microsoft.com/office/drawing/2014/main" id="{E67252CC-96EF-9754-28BE-A4E22541C321}"/>
+              </a:ext>
+            </a:extLst>
+          </p:cNvPr>
+          <p:cNvPicPr>
+            <a:picLocks noChangeAspect="1"/>
+          </p:cNvPicPr>
+          <p:nvPr/>
+        </p:nvPicPr>
+        <p:blipFill rotWithShape="1">
+          <a:blip r:embed="rId2">
+            <a:extLst>
+              <a:ext uri="{28A0092B-C50C-407E-A947-70E740481C1C}">
+                <a14:useLocalDpi xmlns:a14="http://schemas.microsoft.com/office/drawing/2010/main" val="0"/>
+              </a:ext>
+            </a:extLst>
+          </a:blip>
+          <a:srcRect l="33677" t="3056" r="6133" b="11899"/>
+          <a:stretch>
+            <a:fillRect/>
+          </a:stretch>
+        </p:blipFill>
+        <p:spPr bwMode="auto">
+          <a:xfrm>
+            <a:off x="-1064113" y="-743518"/>
+            <a:ext cx="7538486" cy="5994891"/>
+          </a:xfrm>
+          <a:prstGeom prst="rect">
+            <a:avLst/>
+          </a:prstGeom>
+          <a:noFill/>
+          <a:ln>
+            <a:noFill/>
+          </a:ln>
+          <a:extLst>
+            <a:ext uri="{53640926-AAD7-44D8-BBD7-CCE9431645EC}">
+              <a14:shadowObscured xmlns:a14="http://schemas.microsoft.com/office/drawing/2010/main"/>
+            </a:ext>
+          </a:extLst>
+        </p:spPr>
+      </p:pic>
+      <p:grpSp>
+        <p:nvGrpSpPr>
+          <p:cNvPr id="25" name="그룹 24">
+            <a:extLst>
+              <a:ext uri="{FF2B5EF4-FFF2-40B4-BE49-F238E27FC236}">
+                <a16:creationId xmlns:a16="http://schemas.microsoft.com/office/drawing/2014/main" id="{42191F1E-9A86-16E0-AADC-CE735467963B}"/>
+              </a:ext>
+            </a:extLst>
+          </p:cNvPr>
+          <p:cNvGrpSpPr/>
+          <p:nvPr/>
+        </p:nvGrpSpPr>
+        <p:grpSpPr>
+          <a:xfrm>
+            <a:off x="7658100" y="-236351"/>
+            <a:ext cx="2689860" cy="2955214"/>
+            <a:chOff x="7658100" y="-236351"/>
+            <a:chExt cx="2689860" cy="2955214"/>
+          </a:xfrm>
+        </p:grpSpPr>
+        <p:grpSp>
+          <p:nvGrpSpPr>
+            <p:cNvPr id="23" name="그룹 22">
+              <a:extLst>
+                <a:ext uri="{FF2B5EF4-FFF2-40B4-BE49-F238E27FC236}">
+                  <a16:creationId xmlns:a16="http://schemas.microsoft.com/office/drawing/2014/main" id="{E9D4CF53-0597-AA7F-B024-68E523BFF7C9}"/>
+                </a:ext>
+              </a:extLst>
+            </p:cNvPr>
+            <p:cNvGrpSpPr/>
+            <p:nvPr/>
+          </p:nvGrpSpPr>
+          <p:grpSpPr>
+            <a:xfrm>
+              <a:off x="7980238" y="-236351"/>
+              <a:ext cx="2045584" cy="2955214"/>
+              <a:chOff x="7957046" y="-236351"/>
+              <a:chExt cx="2045584" cy="2955214"/>
+            </a:xfrm>
+          </p:grpSpPr>
+          <p:grpSp>
+            <p:nvGrpSpPr>
+              <p:cNvPr id="20" name="그룹 19">
+                <a:extLst>
+                  <a:ext uri="{FF2B5EF4-FFF2-40B4-BE49-F238E27FC236}">
+                    <a16:creationId xmlns:a16="http://schemas.microsoft.com/office/drawing/2014/main" id="{88CADF81-BAEF-8C67-C170-DADD7813566E}"/>
+                  </a:ext>
+                </a:extLst>
+              </p:cNvPr>
+              <p:cNvGrpSpPr/>
+              <p:nvPr/>
+            </p:nvGrpSpPr>
+            <p:grpSpPr>
+              <a:xfrm>
+                <a:off x="7957046" y="-78136"/>
+                <a:ext cx="550151" cy="2796999"/>
+                <a:chOff x="7957046" y="-78136"/>
+                <a:chExt cx="550151" cy="2796999"/>
+              </a:xfrm>
+            </p:grpSpPr>
+            <p:sp>
+              <p:nvSpPr>
+                <p:cNvPr id="9" name="TextBox 8">
+                  <a:extLst>
+                    <a:ext uri="{FF2B5EF4-FFF2-40B4-BE49-F238E27FC236}">
+                      <a16:creationId xmlns:a16="http://schemas.microsoft.com/office/drawing/2014/main" id="{70A18F4A-B6D4-A125-8810-066C7C880761}"/>
+                    </a:ext>
+                  </a:extLst>
+                </p:cNvPr>
+                <p:cNvSpPr txBox="1"/>
+                <p:nvPr/>
+              </p:nvSpPr>
+              <p:spPr>
+                <a:xfrm>
+                  <a:off x="7957046" y="2441864"/>
+                  <a:ext cx="550151" cy="276999"/>
+                </a:xfrm>
+                <a:prstGeom prst="rect">
+                  <a:avLst/>
+                </a:prstGeom>
+                <a:noFill/>
+              </p:spPr>
+              <p:txBody>
+                <a:bodyPr wrap="none" rtlCol="0">
+                  <a:spAutoFit/>
+                </a:bodyPr>
+                <a:lstStyle/>
+                <a:p>
+                  <a:r>
+                    <a:rPr lang="en-US" altLang="ko-KR" sz="1200" dirty="0">
+                      <a:latin typeface="Pretendard" panose="02000503000000020004" pitchFamily="2" charset="-127"/>
+                      <a:ea typeface="Pretendard" panose="02000503000000020004" pitchFamily="2" charset="-127"/>
+                      <a:cs typeface="Pretendard" panose="02000503000000020004" pitchFamily="2" charset="-127"/>
+                    </a:rPr>
+                    <a:t>2023</a:t>
+                  </a:r>
+                  <a:endParaRPr lang="ko-KR" altLang="en-US" sz="1200" dirty="0">
+                    <a:latin typeface="Pretendard" panose="02000503000000020004" pitchFamily="2" charset="-127"/>
+                    <a:ea typeface="Pretendard" panose="02000503000000020004" pitchFamily="2" charset="-127"/>
+                    <a:cs typeface="Pretendard" panose="02000503000000020004" pitchFamily="2" charset="-127"/>
+                  </a:endParaRPr>
+                </a:p>
+              </p:txBody>
+            </p:sp>
+            <p:sp>
+              <p:nvSpPr>
+                <p:cNvPr id="12" name="직사각형 11">
+                  <a:extLst>
+                    <a:ext uri="{FF2B5EF4-FFF2-40B4-BE49-F238E27FC236}">
+                      <a16:creationId xmlns:a16="http://schemas.microsoft.com/office/drawing/2014/main" id="{767E3291-27F6-9B42-0A9D-A81003BA40A8}"/>
+                    </a:ext>
+                  </a:extLst>
+                </p:cNvPr>
+                <p:cNvSpPr/>
+                <p:nvPr/>
+              </p:nvSpPr>
+              <p:spPr>
+                <a:xfrm>
+                  <a:off x="7957051" y="-78136"/>
+                  <a:ext cx="550140" cy="2520000"/>
+                </a:xfrm>
+                <a:prstGeom prst="rect">
+                  <a:avLst/>
+                </a:prstGeom>
+                <a:solidFill>
+                  <a:srgbClr val="19D0B9"/>
+                </a:solidFill>
+                <a:ln>
+                  <a:noFill/>
+                </a:ln>
+              </p:spPr>
+              <p:style>
+                <a:lnRef idx="2">
+                  <a:schemeClr val="accent1">
+                    <a:shade val="15000"/>
+                  </a:schemeClr>
+                </a:lnRef>
+                <a:fillRef idx="1">
+                  <a:schemeClr val="accent1"/>
+                </a:fillRef>
+                <a:effectRef idx="0">
+                  <a:schemeClr val="accent1"/>
+                </a:effectRef>
+                <a:fontRef idx="minor">
+                  <a:schemeClr val="lt1"/>
+                </a:fontRef>
+              </p:style>
+              <p:txBody>
+                <a:bodyPr rtlCol="0" anchor="ctr"/>
+                <a:lstStyle/>
+                <a:p>
+                  <a:pPr algn="ctr"/>
+                  <a:endParaRPr lang="ko-KR" altLang="en-US"/>
+                </a:p>
+              </p:txBody>
+            </p:sp>
+            <p:sp>
+              <p:nvSpPr>
+                <p:cNvPr id="14" name="TextBox 13">
+                  <a:extLst>
+                    <a:ext uri="{FF2B5EF4-FFF2-40B4-BE49-F238E27FC236}">
+                      <a16:creationId xmlns:a16="http://schemas.microsoft.com/office/drawing/2014/main" id="{1F99E491-8AE4-E1A2-18AB-072DA2FA4269}"/>
+                    </a:ext>
+                  </a:extLst>
+                </p:cNvPr>
+                <p:cNvSpPr txBox="1"/>
+                <p:nvPr/>
+              </p:nvSpPr>
+              <p:spPr>
+                <a:xfrm>
+                  <a:off x="8032547" y="-78136"/>
+                  <a:ext cx="399148" cy="594348"/>
+                </a:xfrm>
+                <a:prstGeom prst="rect">
+                  <a:avLst/>
+                </a:prstGeom>
+                <a:noFill/>
+              </p:spPr>
+              <p:txBody>
+                <a:bodyPr wrap="none" lIns="0" tIns="360000" rIns="0" rtlCol="0">
+                  <a:spAutoFit/>
+                </a:bodyPr>
+                <a:lstStyle/>
+                <a:p>
+                  <a:r>
+                    <a:rPr lang="en-US" altLang="ko-KR" sz="1200" dirty="0">
+                      <a:solidFill>
+                        <a:schemeClr val="tx1">
+                          <a:lumMod val="65000"/>
+                          <a:lumOff val="35000"/>
+                        </a:schemeClr>
+                      </a:solidFill>
+                      <a:latin typeface="Pretendard" panose="02000503000000020004" pitchFamily="2" charset="-127"/>
+                      <a:ea typeface="Pretendard" panose="02000503000000020004" pitchFamily="2" charset="-127"/>
+                      <a:cs typeface="Pretendard" panose="02000503000000020004" pitchFamily="2" charset="-127"/>
+                    </a:rPr>
+                    <a:t>52.7B</a:t>
+                  </a:r>
+                  <a:endParaRPr lang="ko-KR" altLang="en-US" sz="1200" dirty="0">
+                    <a:solidFill>
+                      <a:schemeClr val="tx1">
+                        <a:lumMod val="65000"/>
+                        <a:lumOff val="35000"/>
+                      </a:schemeClr>
+                    </a:solidFill>
+                    <a:latin typeface="Pretendard" panose="02000503000000020004" pitchFamily="2" charset="-127"/>
+                    <a:ea typeface="Pretendard" panose="02000503000000020004" pitchFamily="2" charset="-127"/>
+                    <a:cs typeface="Pretendard" panose="02000503000000020004" pitchFamily="2" charset="-127"/>
+                  </a:endParaRPr>
+                </a:p>
+              </p:txBody>
+            </p:sp>
+          </p:grpSp>
+          <p:grpSp>
+            <p:nvGrpSpPr>
+              <p:cNvPr id="21" name="그룹 20">
+                <a:extLst>
+                  <a:ext uri="{FF2B5EF4-FFF2-40B4-BE49-F238E27FC236}">
+                    <a16:creationId xmlns:a16="http://schemas.microsoft.com/office/drawing/2014/main" id="{E3BACFDB-8AA6-7F90-3846-EFCBA5EF0786}"/>
+                  </a:ext>
+                </a:extLst>
+              </p:cNvPr>
+              <p:cNvGrpSpPr/>
+              <p:nvPr/>
+            </p:nvGrpSpPr>
+            <p:grpSpPr>
+              <a:xfrm>
+                <a:off x="9450876" y="73064"/>
+                <a:ext cx="551754" cy="2645799"/>
+                <a:chOff x="9450876" y="73064"/>
+                <a:chExt cx="551754" cy="2645799"/>
+              </a:xfrm>
+            </p:grpSpPr>
+            <p:sp>
+              <p:nvSpPr>
+                <p:cNvPr id="10" name="TextBox 9">
+                  <a:extLst>
+                    <a:ext uri="{FF2B5EF4-FFF2-40B4-BE49-F238E27FC236}">
+                      <a16:creationId xmlns:a16="http://schemas.microsoft.com/office/drawing/2014/main" id="{7E048D28-AC39-A193-05DF-A19511613823}"/>
+                    </a:ext>
+                  </a:extLst>
+                </p:cNvPr>
+                <p:cNvSpPr txBox="1"/>
+                <p:nvPr/>
+              </p:nvSpPr>
+              <p:spPr>
+                <a:xfrm>
+                  <a:off x="9450876" y="2441864"/>
+                  <a:ext cx="551754" cy="276999"/>
+                </a:xfrm>
+                <a:prstGeom prst="rect">
+                  <a:avLst/>
+                </a:prstGeom>
+                <a:noFill/>
+              </p:spPr>
+              <p:txBody>
+                <a:bodyPr wrap="none" rtlCol="0">
+                  <a:spAutoFit/>
+                </a:bodyPr>
+                <a:lstStyle/>
+                <a:p>
+                  <a:r>
+                    <a:rPr lang="en-US" altLang="ko-KR" sz="1200" dirty="0">
+                      <a:latin typeface="Pretendard" panose="02000503000000020004" pitchFamily="2" charset="-127"/>
+                      <a:ea typeface="Pretendard" panose="02000503000000020004" pitchFamily="2" charset="-127"/>
+                      <a:cs typeface="Pretendard" panose="02000503000000020004" pitchFamily="2" charset="-127"/>
+                    </a:rPr>
+                    <a:t>2024</a:t>
+                  </a:r>
+                  <a:endParaRPr lang="ko-KR" altLang="en-US" sz="1200" dirty="0">
+                    <a:latin typeface="Pretendard" panose="02000503000000020004" pitchFamily="2" charset="-127"/>
+                    <a:ea typeface="Pretendard" panose="02000503000000020004" pitchFamily="2" charset="-127"/>
+                    <a:cs typeface="Pretendard" panose="02000503000000020004" pitchFamily="2" charset="-127"/>
+                  </a:endParaRPr>
+                </a:p>
+              </p:txBody>
+            </p:sp>
+            <p:sp>
+              <p:nvSpPr>
+                <p:cNvPr id="13" name="직사각형 12">
+                  <a:extLst>
+                    <a:ext uri="{FF2B5EF4-FFF2-40B4-BE49-F238E27FC236}">
+                      <a16:creationId xmlns:a16="http://schemas.microsoft.com/office/drawing/2014/main" id="{F01628CD-1077-EFD3-C153-CAB9E05A5904}"/>
+                    </a:ext>
+                  </a:extLst>
+                </p:cNvPr>
+                <p:cNvSpPr/>
+                <p:nvPr/>
+              </p:nvSpPr>
+              <p:spPr>
+                <a:xfrm>
+                  <a:off x="9451683" y="73064"/>
+                  <a:ext cx="550140" cy="2368800"/>
+                </a:xfrm>
+                <a:prstGeom prst="rect">
+                  <a:avLst/>
+                </a:prstGeom>
+                <a:solidFill>
+                  <a:srgbClr val="19D0B9"/>
+                </a:solidFill>
+                <a:ln>
+                  <a:noFill/>
+                </a:ln>
+              </p:spPr>
+              <p:style>
+                <a:lnRef idx="2">
+                  <a:schemeClr val="accent1">
+                    <a:shade val="15000"/>
+                  </a:schemeClr>
+                </a:lnRef>
+                <a:fillRef idx="1">
+                  <a:schemeClr val="accent1"/>
+                </a:fillRef>
+                <a:effectRef idx="0">
+                  <a:schemeClr val="accent1"/>
+                </a:effectRef>
+                <a:fontRef idx="minor">
+                  <a:schemeClr val="lt1"/>
+                </a:fontRef>
+              </p:style>
+              <p:txBody>
+                <a:bodyPr rtlCol="0" anchor="ctr"/>
+                <a:lstStyle/>
+                <a:p>
+                  <a:pPr algn="ctr"/>
+                  <a:endParaRPr lang="ko-KR" altLang="en-US"/>
+                </a:p>
+              </p:txBody>
+            </p:sp>
+            <p:sp>
+              <p:nvSpPr>
+                <p:cNvPr id="15" name="TextBox 14">
+                  <a:extLst>
+                    <a:ext uri="{FF2B5EF4-FFF2-40B4-BE49-F238E27FC236}">
+                      <a16:creationId xmlns:a16="http://schemas.microsoft.com/office/drawing/2014/main" id="{A82E71E0-2290-70AF-E755-89CFFE7C72CA}"/>
+                    </a:ext>
+                  </a:extLst>
+                </p:cNvPr>
+                <p:cNvSpPr txBox="1"/>
+                <p:nvPr/>
+              </p:nvSpPr>
+              <p:spPr>
+                <a:xfrm>
+                  <a:off x="9517561" y="73064"/>
+                  <a:ext cx="418384" cy="594348"/>
+                </a:xfrm>
+                <a:prstGeom prst="rect">
+                  <a:avLst/>
+                </a:prstGeom>
+                <a:noFill/>
+              </p:spPr>
+              <p:txBody>
+                <a:bodyPr wrap="none" lIns="0" tIns="360000" rIns="0" rtlCol="0">
+                  <a:spAutoFit/>
+                </a:bodyPr>
+                <a:lstStyle>
+                  <a:defPPr>
+                    <a:defRPr lang="ko-KR"/>
+                  </a:defPPr>
+                  <a:lvl1pPr>
+                    <a:defRPr sz="1200">
+                      <a:latin typeface="Pretendard" panose="02000503000000020004" pitchFamily="2" charset="-127"/>
+                      <a:ea typeface="Pretendard" panose="02000503000000020004" pitchFamily="2" charset="-127"/>
+                      <a:cs typeface="Pretendard" panose="02000503000000020004" pitchFamily="2" charset="-127"/>
+                    </a:defRPr>
+                  </a:lvl1pPr>
+                </a:lstStyle>
+                <a:p>
+                  <a:r>
+                    <a:rPr lang="en-US" altLang="ko-KR" dirty="0">
+                      <a:solidFill>
+                        <a:schemeClr val="tx1">
+                          <a:lumMod val="65000"/>
+                          <a:lumOff val="35000"/>
+                        </a:schemeClr>
+                      </a:solidFill>
+                    </a:rPr>
+                    <a:t>49.3B</a:t>
+                  </a:r>
+                  <a:endParaRPr lang="ko-KR" altLang="en-US" dirty="0">
+                    <a:solidFill>
+                      <a:schemeClr val="tx1">
+                        <a:lumMod val="65000"/>
+                        <a:lumOff val="35000"/>
+                      </a:schemeClr>
+                    </a:solidFill>
+                  </a:endParaRPr>
+                </a:p>
+              </p:txBody>
+            </p:sp>
+          </p:grpSp>
+          <p:grpSp>
+            <p:nvGrpSpPr>
+              <p:cNvPr id="22" name="그룹 21">
+                <a:extLst>
+                  <a:ext uri="{FF2B5EF4-FFF2-40B4-BE49-F238E27FC236}">
+                    <a16:creationId xmlns:a16="http://schemas.microsoft.com/office/drawing/2014/main" id="{C9E1EF87-8557-3930-1DA9-CED468881FC2}"/>
+                  </a:ext>
+                </a:extLst>
+              </p:cNvPr>
+              <p:cNvGrpSpPr/>
+              <p:nvPr/>
+            </p:nvGrpSpPr>
+            <p:grpSpPr>
+              <a:xfrm>
+                <a:off x="8539653" y="-236351"/>
+                <a:ext cx="878767" cy="461804"/>
+                <a:chOff x="8539650" y="-236351"/>
+                <a:chExt cx="878767" cy="461804"/>
+              </a:xfrm>
+            </p:grpSpPr>
+            <p:sp>
+              <p:nvSpPr>
+                <p:cNvPr id="16" name="화살표: 아래쪽 15">
+                  <a:extLst>
+                    <a:ext uri="{FF2B5EF4-FFF2-40B4-BE49-F238E27FC236}">
+                      <a16:creationId xmlns:a16="http://schemas.microsoft.com/office/drawing/2014/main" id="{9D9155EB-8FAD-D7CA-FD64-979F2F9E6D93}"/>
+                    </a:ext>
+                  </a:extLst>
+                </p:cNvPr>
+                <p:cNvSpPr/>
+                <p:nvPr/>
+              </p:nvSpPr>
+              <p:spPr>
+                <a:xfrm rot="16501350">
+                  <a:off x="8885957" y="-167030"/>
+                  <a:ext cx="186151" cy="598815"/>
+                </a:xfrm>
+                <a:prstGeom prst="downArrow">
+                  <a:avLst/>
+                </a:prstGeom>
+                <a:solidFill>
+                  <a:srgbClr val="FFFF00"/>
+                </a:solidFill>
+                <a:ln w="9525">
+                  <a:solidFill>
+                    <a:srgbClr val="FF0000"/>
+                  </a:solidFill>
+                </a:ln>
+              </p:spPr>
+              <p:style>
+                <a:lnRef idx="2">
+                  <a:schemeClr val="accent1">
+                    <a:shade val="15000"/>
+                  </a:schemeClr>
+                </a:lnRef>
+                <a:fillRef idx="1">
+                  <a:schemeClr val="accent1"/>
+                </a:fillRef>
+                <a:effectRef idx="0">
+                  <a:schemeClr val="accent1"/>
+                </a:effectRef>
+                <a:fontRef idx="minor">
+                  <a:schemeClr val="lt1"/>
+                </a:fontRef>
+              </p:style>
+              <p:txBody>
+                <a:bodyPr rtlCol="0" anchor="ctr"/>
+                <a:lstStyle/>
+                <a:p>
+                  <a:pPr algn="ctr"/>
+                  <a:endParaRPr lang="ko-KR" altLang="en-US"/>
+                </a:p>
+              </p:txBody>
+            </p:sp>
+            <p:sp>
+              <p:nvSpPr>
+                <p:cNvPr id="18" name="TextBox 17">
+                  <a:extLst>
+                    <a:ext uri="{FF2B5EF4-FFF2-40B4-BE49-F238E27FC236}">
+                      <a16:creationId xmlns:a16="http://schemas.microsoft.com/office/drawing/2014/main" id="{6731BABE-8AFE-7FF5-86B2-F1C217D1E7E7}"/>
+                    </a:ext>
+                  </a:extLst>
+                </p:cNvPr>
+                <p:cNvSpPr txBox="1"/>
+                <p:nvPr/>
+              </p:nvSpPr>
+              <p:spPr>
+                <a:xfrm>
+                  <a:off x="8539650" y="-236351"/>
+                  <a:ext cx="878767" cy="276999"/>
+                </a:xfrm>
+                <a:prstGeom prst="rect">
+                  <a:avLst/>
+                </a:prstGeom>
+                <a:noFill/>
+              </p:spPr>
+              <p:txBody>
+                <a:bodyPr wrap="none" rtlCol="0">
+                  <a:spAutoFit/>
+                </a:bodyPr>
+                <a:lstStyle/>
+                <a:p>
+                  <a:r>
+                    <a:rPr lang="ko-KR" altLang="en-US" sz="1200" dirty="0">
+                      <a:latin typeface="Pretendard" panose="02000503000000020004" pitchFamily="2" charset="-127"/>
+                      <a:ea typeface="Pretendard" panose="02000503000000020004" pitchFamily="2" charset="-127"/>
+                      <a:cs typeface="Pretendard" panose="02000503000000020004" pitchFamily="2" charset="-127"/>
+                    </a:rPr>
+                    <a:t>약 </a:t>
+                  </a:r>
+                  <a:r>
+                    <a:rPr lang="en-US" altLang="ko-KR" sz="1200" dirty="0">
+                      <a:latin typeface="Pretendard" panose="02000503000000020004" pitchFamily="2" charset="-127"/>
+                      <a:ea typeface="Pretendard" panose="02000503000000020004" pitchFamily="2" charset="-127"/>
+                      <a:cs typeface="Pretendard" panose="02000503000000020004" pitchFamily="2" charset="-127"/>
+                    </a:rPr>
+                    <a:t>7% </a:t>
+                  </a:r>
+                  <a:r>
+                    <a:rPr lang="ko-KR" altLang="en-US" sz="1200" dirty="0">
+                      <a:latin typeface="Pretendard" panose="02000503000000020004" pitchFamily="2" charset="-127"/>
+                      <a:ea typeface="Pretendard" panose="02000503000000020004" pitchFamily="2" charset="-127"/>
+                      <a:cs typeface="Pretendard" panose="02000503000000020004" pitchFamily="2" charset="-127"/>
+                    </a:rPr>
+                    <a:t>감소</a:t>
+                  </a:r>
+                </a:p>
+              </p:txBody>
+            </p:sp>
+          </p:grpSp>
+        </p:grpSp>
+        <p:cxnSp>
+          <p:nvCxnSpPr>
+            <p:cNvPr id="6" name="직선 연결선 5">
+              <a:extLst>
+                <a:ext uri="{FF2B5EF4-FFF2-40B4-BE49-F238E27FC236}">
+                  <a16:creationId xmlns:a16="http://schemas.microsoft.com/office/drawing/2014/main" id="{8CA29F21-283D-F6F6-6051-924C912E9784}"/>
+                </a:ext>
+              </a:extLst>
+            </p:cNvPr>
+            <p:cNvCxnSpPr>
+              <a:cxnSpLocks/>
+            </p:cNvCxnSpPr>
+            <p:nvPr/>
+          </p:nvCxnSpPr>
+          <p:spPr>
+            <a:xfrm>
+              <a:off x="7658100" y="2441864"/>
+              <a:ext cx="2689860" cy="0"/>
+            </a:xfrm>
+            <a:prstGeom prst="line">
+              <a:avLst/>
+            </a:prstGeom>
+          </p:spPr>
+          <p:style>
+            <a:lnRef idx="2">
+              <a:schemeClr val="dk1"/>
+            </a:lnRef>
+            <a:fillRef idx="0">
+              <a:schemeClr val="dk1"/>
+            </a:fillRef>
+            <a:effectRef idx="1">
+              <a:schemeClr val="dk1"/>
+            </a:effectRef>
+            <a:fontRef idx="minor">
+              <a:schemeClr val="tx1"/>
+            </a:fontRef>
+          </p:style>
+        </p:cxnSp>
+      </p:grpSp>
+      <p:sp>
+        <p:nvSpPr>
+          <p:cNvPr id="26" name="TextBox 25">
+            <a:extLst>
+              <a:ext uri="{FF2B5EF4-FFF2-40B4-BE49-F238E27FC236}">
+                <a16:creationId xmlns:a16="http://schemas.microsoft.com/office/drawing/2014/main" id="{F6A69097-2A5C-D970-72FF-D21A297B11F1}"/>
+              </a:ext>
+            </a:extLst>
+          </p:cNvPr>
+          <p:cNvSpPr txBox="1"/>
+          <p:nvPr/>
+        </p:nvSpPr>
+        <p:spPr>
+          <a:xfrm>
+            <a:off x="8162896" y="-743518"/>
+            <a:ext cx="1680268" cy="338554"/>
+          </a:xfrm>
+          <a:prstGeom prst="rect">
+            <a:avLst/>
+          </a:prstGeom>
+          <a:noFill/>
+        </p:spPr>
+        <p:txBody>
+          <a:bodyPr wrap="none" rtlCol="0">
+            <a:spAutoFit/>
+          </a:bodyPr>
+          <a:lstStyle/>
+          <a:p>
+            <a:r>
+              <a:rPr lang="en-US" altLang="ko-KR" sz="1600" dirty="0">
+                <a:latin typeface="Pretendard SemiBold" panose="02000703000000020004" pitchFamily="2" charset="-127"/>
+                <a:ea typeface="Pretendard SemiBold" panose="02000703000000020004" pitchFamily="2" charset="-127"/>
+                <a:cs typeface="Pretendard SemiBold" panose="02000703000000020004" pitchFamily="2" charset="-127"/>
+              </a:rPr>
+              <a:t>[</a:t>
+            </a:r>
+            <a:r>
+              <a:rPr lang="ko-KR" altLang="en-US" sz="1600" dirty="0">
+                <a:latin typeface="Pretendard SemiBold" panose="02000703000000020004" pitchFamily="2" charset="-127"/>
+                <a:ea typeface="Pretendard SemiBold" panose="02000703000000020004" pitchFamily="2" charset="-127"/>
+                <a:cs typeface="Pretendard SemiBold" panose="02000703000000020004" pitchFamily="2" charset="-127"/>
+              </a:rPr>
+              <a:t>다운로드 수 변화</a:t>
+            </a:r>
+            <a:r>
+              <a:rPr lang="en-US" altLang="ko-KR" sz="1600" dirty="0">
+                <a:latin typeface="Pretendard SemiBold" panose="02000703000000020004" pitchFamily="2" charset="-127"/>
+                <a:ea typeface="Pretendard SemiBold" panose="02000703000000020004" pitchFamily="2" charset="-127"/>
+                <a:cs typeface="Pretendard SemiBold" panose="02000703000000020004" pitchFamily="2" charset="-127"/>
+              </a:rPr>
+              <a:t>]</a:t>
+            </a:r>
+            <a:endParaRPr lang="ko-KR" altLang="en-US" sz="1600" dirty="0">
+              <a:latin typeface="Pretendard SemiBold" panose="02000703000000020004" pitchFamily="2" charset="-127"/>
+              <a:ea typeface="Pretendard SemiBold" panose="02000703000000020004" pitchFamily="2" charset="-127"/>
+              <a:cs typeface="Pretendard SemiBold" panose="02000703000000020004" pitchFamily="2" charset="-127"/>
+            </a:endParaRPr>
+          </a:p>
+        </p:txBody>
+      </p:sp>
+      <p:sp>
+        <p:nvSpPr>
+          <p:cNvPr id="38" name="TextBox 37">
+            <a:extLst>
+              <a:ext uri="{FF2B5EF4-FFF2-40B4-BE49-F238E27FC236}">
+                <a16:creationId xmlns:a16="http://schemas.microsoft.com/office/drawing/2014/main" id="{C27B9A96-A422-1147-691D-672D0FD103BA}"/>
+              </a:ext>
+            </a:extLst>
+          </p:cNvPr>
+          <p:cNvSpPr txBox="1"/>
+          <p:nvPr/>
+        </p:nvSpPr>
+        <p:spPr>
+          <a:xfrm>
+            <a:off x="11169208" y="2441864"/>
+            <a:ext cx="550151" cy="276999"/>
+          </a:xfrm>
+          <a:prstGeom prst="rect">
+            <a:avLst/>
+          </a:prstGeom>
+          <a:noFill/>
+        </p:spPr>
+        <p:txBody>
+          <a:bodyPr wrap="none" rtlCol="0">
+            <a:spAutoFit/>
+          </a:bodyPr>
+          <a:lstStyle/>
+          <a:p>
+            <a:r>
+              <a:rPr lang="en-US" altLang="ko-KR" sz="1200" dirty="0">
+                <a:latin typeface="Pretendard" panose="02000503000000020004" pitchFamily="2" charset="-127"/>
+                <a:ea typeface="Pretendard" panose="02000503000000020004" pitchFamily="2" charset="-127"/>
+                <a:cs typeface="Pretendard" panose="02000503000000020004" pitchFamily="2" charset="-127"/>
+              </a:rPr>
+              <a:t>2023</a:t>
+            </a:r>
+            <a:endParaRPr lang="ko-KR" altLang="en-US" sz="1200" dirty="0">
+              <a:latin typeface="Pretendard" panose="02000503000000020004" pitchFamily="2" charset="-127"/>
+              <a:ea typeface="Pretendard" panose="02000503000000020004" pitchFamily="2" charset="-127"/>
+              <a:cs typeface="Pretendard" panose="02000503000000020004" pitchFamily="2" charset="-127"/>
+            </a:endParaRPr>
+          </a:p>
+        </p:txBody>
+      </p:sp>
+      <p:sp>
+        <p:nvSpPr>
+          <p:cNvPr id="39" name="직사각형 38">
+            <a:extLst>
+              <a:ext uri="{FF2B5EF4-FFF2-40B4-BE49-F238E27FC236}">
+                <a16:creationId xmlns:a16="http://schemas.microsoft.com/office/drawing/2014/main" id="{EE0E454D-76E7-3742-5812-AF7C230CB0A7}"/>
+              </a:ext>
+            </a:extLst>
+          </p:cNvPr>
+          <p:cNvSpPr/>
+          <p:nvPr/>
+        </p:nvSpPr>
+        <p:spPr>
+          <a:xfrm>
+            <a:off x="11169213" y="-78136"/>
+            <a:ext cx="550140" cy="2520000"/>
+          </a:xfrm>
+          <a:prstGeom prst="rect">
+            <a:avLst/>
+          </a:prstGeom>
+          <a:solidFill>
+            <a:srgbClr val="FF826D"/>
+          </a:solidFill>
+          <a:ln>
+            <a:noFill/>
+          </a:ln>
+        </p:spPr>
+        <p:style>
+          <a:lnRef idx="2">
+            <a:schemeClr val="accent1">
+              <a:shade val="15000"/>
+            </a:schemeClr>
+          </a:lnRef>
+          <a:fillRef idx="1">
+            <a:schemeClr val="accent1"/>
+          </a:fillRef>
+          <a:effectRef idx="0">
+            <a:schemeClr val="accent1"/>
+          </a:effectRef>
+          <a:fontRef idx="minor">
+            <a:schemeClr val="lt1"/>
+          </a:fontRef>
+        </p:style>
+        <p:txBody>
+          <a:bodyPr rtlCol="0" anchor="ctr"/>
+          <a:lstStyle/>
+          <a:p>
+            <a:pPr algn="ctr"/>
+            <a:endParaRPr lang="ko-KR" altLang="en-US" dirty="0"/>
+          </a:p>
+        </p:txBody>
+      </p:sp>
+      <p:sp>
+        <p:nvSpPr>
+          <p:cNvPr id="40" name="TextBox 39">
+            <a:extLst>
+              <a:ext uri="{FF2B5EF4-FFF2-40B4-BE49-F238E27FC236}">
+                <a16:creationId xmlns:a16="http://schemas.microsoft.com/office/drawing/2014/main" id="{21073A0F-CD83-C289-77B0-A8DAC67799E7}"/>
+              </a:ext>
+            </a:extLst>
+          </p:cNvPr>
+          <p:cNvSpPr txBox="1"/>
+          <p:nvPr/>
+        </p:nvSpPr>
+        <p:spPr>
+          <a:xfrm>
+            <a:off x="11244709" y="-78136"/>
+            <a:ext cx="405560" cy="594348"/>
+          </a:xfrm>
+          <a:prstGeom prst="rect">
+            <a:avLst/>
+          </a:prstGeom>
+          <a:noFill/>
+        </p:spPr>
+        <p:txBody>
+          <a:bodyPr wrap="none" lIns="0" tIns="360000" rIns="0" rtlCol="0">
+            <a:spAutoFit/>
+          </a:bodyPr>
+          <a:lstStyle/>
+          <a:p>
+            <a:r>
+              <a:rPr lang="en-US" altLang="ko-KR" sz="1200" dirty="0">
+                <a:solidFill>
+                  <a:schemeClr val="tx1">
+                    <a:lumMod val="65000"/>
+                    <a:lumOff val="35000"/>
+                  </a:schemeClr>
+                </a:solidFill>
+                <a:latin typeface="Pretendard" panose="02000503000000020004" pitchFamily="2" charset="-127"/>
+                <a:ea typeface="Pretendard" panose="02000503000000020004" pitchFamily="2" charset="-127"/>
+                <a:cs typeface="Pretendard" panose="02000503000000020004" pitchFamily="2" charset="-127"/>
+              </a:rPr>
+              <a:t>78.6B</a:t>
+            </a:r>
+            <a:endParaRPr lang="ko-KR" altLang="en-US" sz="1200" dirty="0">
+              <a:solidFill>
+                <a:schemeClr val="tx1">
+                  <a:lumMod val="65000"/>
+                  <a:lumOff val="35000"/>
+                </a:schemeClr>
+              </a:solidFill>
+              <a:latin typeface="Pretendard" panose="02000503000000020004" pitchFamily="2" charset="-127"/>
+              <a:ea typeface="Pretendard" panose="02000503000000020004" pitchFamily="2" charset="-127"/>
+              <a:cs typeface="Pretendard" panose="02000503000000020004" pitchFamily="2" charset="-127"/>
+            </a:endParaRPr>
+          </a:p>
+        </p:txBody>
+      </p:sp>
+      <p:sp>
+        <p:nvSpPr>
+          <p:cNvPr id="35" name="TextBox 34">
+            <a:extLst>
+              <a:ext uri="{FF2B5EF4-FFF2-40B4-BE49-F238E27FC236}">
+                <a16:creationId xmlns:a16="http://schemas.microsoft.com/office/drawing/2014/main" id="{48DFF956-BB6D-2296-D84A-51362122F77C}"/>
+              </a:ext>
+            </a:extLst>
+          </p:cNvPr>
+          <p:cNvSpPr txBox="1"/>
+          <p:nvPr/>
+        </p:nvSpPr>
+        <p:spPr>
+          <a:xfrm>
+            <a:off x="12663038" y="2441864"/>
+            <a:ext cx="551754" cy="276999"/>
+          </a:xfrm>
+          <a:prstGeom prst="rect">
+            <a:avLst/>
+          </a:prstGeom>
+          <a:noFill/>
+        </p:spPr>
+        <p:txBody>
+          <a:bodyPr wrap="none" rtlCol="0">
+            <a:spAutoFit/>
+          </a:bodyPr>
+          <a:lstStyle/>
+          <a:p>
+            <a:r>
+              <a:rPr lang="en-US" altLang="ko-KR" sz="1200" dirty="0">
+                <a:latin typeface="Pretendard" panose="02000503000000020004" pitchFamily="2" charset="-127"/>
+                <a:ea typeface="Pretendard" panose="02000503000000020004" pitchFamily="2" charset="-127"/>
+                <a:cs typeface="Pretendard" panose="02000503000000020004" pitchFamily="2" charset="-127"/>
+              </a:rPr>
+              <a:t>2024</a:t>
+            </a:r>
+            <a:endParaRPr lang="ko-KR" altLang="en-US" sz="1200" dirty="0">
+              <a:latin typeface="Pretendard" panose="02000503000000020004" pitchFamily="2" charset="-127"/>
+              <a:ea typeface="Pretendard" panose="02000503000000020004" pitchFamily="2" charset="-127"/>
+              <a:cs typeface="Pretendard" panose="02000503000000020004" pitchFamily="2" charset="-127"/>
+            </a:endParaRPr>
+          </a:p>
+        </p:txBody>
+      </p:sp>
+      <p:sp>
+        <p:nvSpPr>
+          <p:cNvPr id="36" name="직사각형 35">
+            <a:extLst>
+              <a:ext uri="{FF2B5EF4-FFF2-40B4-BE49-F238E27FC236}">
+                <a16:creationId xmlns:a16="http://schemas.microsoft.com/office/drawing/2014/main" id="{A1DB8662-3BDE-5D84-CF7A-3E19AB03B326}"/>
+              </a:ext>
+            </a:extLst>
+          </p:cNvPr>
+          <p:cNvSpPr/>
+          <p:nvPr/>
+        </p:nvSpPr>
+        <p:spPr>
+          <a:xfrm>
+            <a:off x="12663845" y="-178936"/>
+            <a:ext cx="550140" cy="2620800"/>
+          </a:xfrm>
+          <a:prstGeom prst="rect">
+            <a:avLst/>
+          </a:prstGeom>
+          <a:solidFill>
+            <a:srgbClr val="FF826D"/>
+          </a:solidFill>
+          <a:ln>
+            <a:noFill/>
+          </a:ln>
+        </p:spPr>
+        <p:style>
+          <a:lnRef idx="2">
+            <a:schemeClr val="accent1">
+              <a:shade val="15000"/>
+            </a:schemeClr>
+          </a:lnRef>
+          <a:fillRef idx="1">
+            <a:schemeClr val="accent1"/>
+          </a:fillRef>
+          <a:effectRef idx="0">
+            <a:schemeClr val="accent1"/>
+          </a:effectRef>
+          <a:fontRef idx="minor">
+            <a:schemeClr val="lt1"/>
+          </a:fontRef>
+        </p:style>
+        <p:txBody>
+          <a:bodyPr rtlCol="0" anchor="ctr"/>
+          <a:lstStyle/>
+          <a:p>
+            <a:pPr algn="ctr"/>
+            <a:endParaRPr lang="ko-KR" altLang="en-US"/>
+          </a:p>
+        </p:txBody>
+      </p:sp>
+      <p:sp>
+        <p:nvSpPr>
+          <p:cNvPr id="37" name="TextBox 36">
+            <a:extLst>
+              <a:ext uri="{FF2B5EF4-FFF2-40B4-BE49-F238E27FC236}">
+                <a16:creationId xmlns:a16="http://schemas.microsoft.com/office/drawing/2014/main" id="{2384F0A3-D3A4-F547-D7ED-BEDB6550BD86}"/>
+              </a:ext>
+            </a:extLst>
+          </p:cNvPr>
+          <p:cNvSpPr txBox="1"/>
+          <p:nvPr/>
+        </p:nvSpPr>
+        <p:spPr>
+          <a:xfrm>
+            <a:off x="12749761" y="-178936"/>
+            <a:ext cx="378309" cy="594348"/>
+          </a:xfrm>
+          <a:prstGeom prst="rect">
+            <a:avLst/>
+          </a:prstGeom>
+          <a:noFill/>
+        </p:spPr>
+        <p:txBody>
+          <a:bodyPr wrap="none" lIns="0" tIns="360000" rIns="0" rtlCol="0">
+            <a:spAutoFit/>
+          </a:bodyPr>
+          <a:lstStyle>
+            <a:defPPr>
+              <a:defRPr lang="ko-KR"/>
+            </a:defPPr>
+            <a:lvl1pPr>
+              <a:defRPr sz="1200">
+                <a:latin typeface="Pretendard" panose="02000503000000020004" pitchFamily="2" charset="-127"/>
+                <a:ea typeface="Pretendard" panose="02000503000000020004" pitchFamily="2" charset="-127"/>
+                <a:cs typeface="Pretendard" panose="02000503000000020004" pitchFamily="2" charset="-127"/>
+              </a:defRPr>
+            </a:lvl1pPr>
+          </a:lstStyle>
+          <a:p>
+            <a:r>
+              <a:rPr lang="en-US" altLang="ko-KR" dirty="0">
+                <a:solidFill>
+                  <a:schemeClr val="tx1">
+                    <a:lumMod val="65000"/>
+                    <a:lumOff val="35000"/>
+                  </a:schemeClr>
+                </a:solidFill>
+              </a:rPr>
+              <a:t>81.7B</a:t>
+            </a:r>
+            <a:endParaRPr lang="ko-KR" altLang="en-US" dirty="0">
+              <a:solidFill>
+                <a:schemeClr val="tx1">
+                  <a:lumMod val="65000"/>
+                  <a:lumOff val="35000"/>
+                </a:schemeClr>
+              </a:solidFill>
+            </a:endParaRPr>
+          </a:p>
+        </p:txBody>
+      </p:sp>
+      <p:grpSp>
+        <p:nvGrpSpPr>
+          <p:cNvPr id="32" name="그룹 31">
+            <a:extLst>
+              <a:ext uri="{FF2B5EF4-FFF2-40B4-BE49-F238E27FC236}">
+                <a16:creationId xmlns:a16="http://schemas.microsoft.com/office/drawing/2014/main" id="{AE38629A-9A5A-98BC-6EAE-F1D775A8ED48}"/>
+              </a:ext>
+            </a:extLst>
+          </p:cNvPr>
+          <p:cNvGrpSpPr/>
+          <p:nvPr/>
+        </p:nvGrpSpPr>
+        <p:grpSpPr>
+          <a:xfrm>
+            <a:off x="11751815" y="-236351"/>
+            <a:ext cx="889987" cy="461804"/>
+            <a:chOff x="8539650" y="-236351"/>
+            <a:chExt cx="889987" cy="461804"/>
+          </a:xfrm>
+        </p:grpSpPr>
+        <p:sp>
+          <p:nvSpPr>
+            <p:cNvPr id="33" name="화살표: 아래쪽 32">
+              <a:extLst>
+                <a:ext uri="{FF2B5EF4-FFF2-40B4-BE49-F238E27FC236}">
+                  <a16:creationId xmlns:a16="http://schemas.microsoft.com/office/drawing/2014/main" id="{D58724FC-EB9C-522A-5AB1-9BF42F6C6E2E}"/>
+                </a:ext>
+              </a:extLst>
+            </p:cNvPr>
+            <p:cNvSpPr/>
+            <p:nvPr/>
+          </p:nvSpPr>
+          <p:spPr>
+            <a:xfrm rot="5098650" flipV="1">
+              <a:off x="8885957" y="-167030"/>
+              <a:ext cx="186151" cy="598815"/>
+            </a:xfrm>
+            <a:prstGeom prst="downArrow">
+              <a:avLst/>
+            </a:prstGeom>
+            <a:solidFill>
+              <a:srgbClr val="FFFF00"/>
+            </a:solidFill>
+            <a:ln w="9525">
+              <a:solidFill>
+                <a:srgbClr val="FF0000"/>
+              </a:solidFill>
+            </a:ln>
+          </p:spPr>
+          <p:style>
+            <a:lnRef idx="2">
+              <a:schemeClr val="accent1">
+                <a:shade val="15000"/>
+              </a:schemeClr>
+            </a:lnRef>
+            <a:fillRef idx="1">
+              <a:schemeClr val="accent1"/>
+            </a:fillRef>
+            <a:effectRef idx="0">
+              <a:schemeClr val="accent1"/>
+            </a:effectRef>
+            <a:fontRef idx="minor">
+              <a:schemeClr val="lt1"/>
+            </a:fontRef>
+          </p:style>
+          <p:txBody>
+            <a:bodyPr rtlCol="0" anchor="ctr"/>
+            <a:lstStyle/>
+            <a:p>
+              <a:pPr algn="ctr"/>
+              <a:endParaRPr lang="ko-KR" altLang="en-US"/>
+            </a:p>
+          </p:txBody>
+        </p:sp>
+        <p:sp>
+          <p:nvSpPr>
+            <p:cNvPr id="34" name="TextBox 33">
+              <a:extLst>
+                <a:ext uri="{FF2B5EF4-FFF2-40B4-BE49-F238E27FC236}">
+                  <a16:creationId xmlns:a16="http://schemas.microsoft.com/office/drawing/2014/main" id="{C812AF10-DE17-CE14-3F65-508C59F91AF7}"/>
+                </a:ext>
+              </a:extLst>
+            </p:cNvPr>
+            <p:cNvSpPr txBox="1"/>
+            <p:nvPr/>
+          </p:nvSpPr>
+          <p:spPr>
+            <a:xfrm>
+              <a:off x="8539650" y="-236351"/>
+              <a:ext cx="889987" cy="276999"/>
+            </a:xfrm>
+            <a:prstGeom prst="rect">
+              <a:avLst/>
+            </a:prstGeom>
+            <a:noFill/>
+          </p:spPr>
+          <p:txBody>
+            <a:bodyPr wrap="none" rtlCol="0">
+              <a:spAutoFit/>
+            </a:bodyPr>
+            <a:lstStyle/>
+            <a:p>
+              <a:r>
+                <a:rPr lang="ko-KR" altLang="en-US" sz="1200" dirty="0">
+                  <a:latin typeface="Pretendard" panose="02000503000000020004" pitchFamily="2" charset="-127"/>
+                  <a:ea typeface="Pretendard" panose="02000503000000020004" pitchFamily="2" charset="-127"/>
+                  <a:cs typeface="Pretendard" panose="02000503000000020004" pitchFamily="2" charset="-127"/>
+                </a:rPr>
+                <a:t>약 </a:t>
+              </a:r>
+              <a:r>
+                <a:rPr lang="en-US" altLang="ko-KR" sz="1200" dirty="0">
+                  <a:latin typeface="Pretendard" panose="02000503000000020004" pitchFamily="2" charset="-127"/>
+                  <a:ea typeface="Pretendard" panose="02000503000000020004" pitchFamily="2" charset="-127"/>
+                  <a:cs typeface="Pretendard" panose="02000503000000020004" pitchFamily="2" charset="-127"/>
+                </a:rPr>
+                <a:t>4% </a:t>
+              </a:r>
+              <a:r>
+                <a:rPr lang="ko-KR" altLang="en-US" sz="1200" dirty="0">
+                  <a:latin typeface="Pretendard" panose="02000503000000020004" pitchFamily="2" charset="-127"/>
+                  <a:ea typeface="Pretendard" panose="02000503000000020004" pitchFamily="2" charset="-127"/>
+                  <a:cs typeface="Pretendard" panose="02000503000000020004" pitchFamily="2" charset="-127"/>
+                </a:rPr>
+                <a:t>증가</a:t>
+              </a:r>
+            </a:p>
+          </p:txBody>
+        </p:sp>
+      </p:grpSp>
+      <p:cxnSp>
+        <p:nvCxnSpPr>
+          <p:cNvPr id="29" name="직선 연결선 28">
+            <a:extLst>
+              <a:ext uri="{FF2B5EF4-FFF2-40B4-BE49-F238E27FC236}">
+                <a16:creationId xmlns:a16="http://schemas.microsoft.com/office/drawing/2014/main" id="{87A57B4C-E1F9-5913-58EF-82064D3464DA}"/>
+              </a:ext>
+            </a:extLst>
+          </p:cNvPr>
+          <p:cNvCxnSpPr>
+            <a:cxnSpLocks/>
+          </p:cNvCxnSpPr>
+          <p:nvPr/>
+        </p:nvCxnSpPr>
+        <p:spPr>
+          <a:xfrm>
+            <a:off x="10847070" y="2441864"/>
+            <a:ext cx="2689860" cy="0"/>
+          </a:xfrm>
+          <a:prstGeom prst="line">
+            <a:avLst/>
+          </a:prstGeom>
+        </p:spPr>
+        <p:style>
+          <a:lnRef idx="2">
+            <a:schemeClr val="dk1"/>
+          </a:lnRef>
+          <a:fillRef idx="0">
+            <a:schemeClr val="dk1"/>
+          </a:fillRef>
+          <a:effectRef idx="1">
+            <a:schemeClr val="dk1"/>
+          </a:effectRef>
+          <a:fontRef idx="minor">
+            <a:schemeClr val="tx1"/>
+          </a:fontRef>
+        </p:style>
+      </p:cxnSp>
+      <p:sp>
+        <p:nvSpPr>
+          <p:cNvPr id="41" name="TextBox 40">
+            <a:extLst>
+              <a:ext uri="{FF2B5EF4-FFF2-40B4-BE49-F238E27FC236}">
+                <a16:creationId xmlns:a16="http://schemas.microsoft.com/office/drawing/2014/main" id="{139023BB-E922-4A6C-40FA-12E4A94EF58E}"/>
+              </a:ext>
+            </a:extLst>
+          </p:cNvPr>
+          <p:cNvSpPr txBox="1"/>
+          <p:nvPr/>
+        </p:nvSpPr>
+        <p:spPr>
+          <a:xfrm>
+            <a:off x="11238855" y="-743518"/>
+            <a:ext cx="1906291" cy="338554"/>
+          </a:xfrm>
+          <a:prstGeom prst="rect">
+            <a:avLst/>
+          </a:prstGeom>
+          <a:noFill/>
+        </p:spPr>
+        <p:txBody>
+          <a:bodyPr wrap="none" rtlCol="0">
+            <a:spAutoFit/>
+          </a:bodyPr>
+          <a:lstStyle/>
+          <a:p>
+            <a:r>
+              <a:rPr lang="en-US" altLang="ko-KR" sz="1600" dirty="0">
+                <a:latin typeface="Pretendard SemiBold" panose="02000703000000020004" pitchFamily="2" charset="-127"/>
+                <a:ea typeface="Pretendard SemiBold" panose="02000703000000020004" pitchFamily="2" charset="-127"/>
+                <a:cs typeface="Pretendard SemiBold" panose="02000703000000020004" pitchFamily="2" charset="-127"/>
+              </a:rPr>
+              <a:t>[</a:t>
+            </a:r>
+            <a:r>
+              <a:rPr lang="ko-KR" altLang="en-US" sz="1600" dirty="0" err="1">
+                <a:latin typeface="Pretendard SemiBold" panose="02000703000000020004" pitchFamily="2" charset="-127"/>
+                <a:ea typeface="Pretendard SemiBold" panose="02000703000000020004" pitchFamily="2" charset="-127"/>
+                <a:cs typeface="Pretendard SemiBold" panose="02000703000000020004" pitchFamily="2" charset="-127"/>
+              </a:rPr>
+              <a:t>인앱</a:t>
+            </a:r>
+            <a:r>
+              <a:rPr lang="ko-KR" altLang="en-US" sz="1600" dirty="0">
+                <a:latin typeface="Pretendard SemiBold" panose="02000703000000020004" pitchFamily="2" charset="-127"/>
+                <a:ea typeface="Pretendard SemiBold" panose="02000703000000020004" pitchFamily="2" charset="-127"/>
+                <a:cs typeface="Pretendard SemiBold" panose="02000703000000020004" pitchFamily="2" charset="-127"/>
+              </a:rPr>
+              <a:t> 구매 수익 변화</a:t>
+            </a:r>
+            <a:r>
+              <a:rPr lang="en-US" altLang="ko-KR" sz="1600" dirty="0">
+                <a:latin typeface="Pretendard SemiBold" panose="02000703000000020004" pitchFamily="2" charset="-127"/>
+                <a:ea typeface="Pretendard SemiBold" panose="02000703000000020004" pitchFamily="2" charset="-127"/>
+                <a:cs typeface="Pretendard SemiBold" panose="02000703000000020004" pitchFamily="2" charset="-127"/>
+              </a:rPr>
+              <a:t>]</a:t>
+            </a:r>
+            <a:endParaRPr lang="ko-KR" altLang="en-US" sz="1600" dirty="0">
+              <a:latin typeface="Pretendard SemiBold" panose="02000703000000020004" pitchFamily="2" charset="-127"/>
+              <a:ea typeface="Pretendard SemiBold" panose="02000703000000020004" pitchFamily="2" charset="-127"/>
+              <a:cs typeface="Pretendard SemiBold" panose="02000703000000020004" pitchFamily="2" charset="-127"/>
+            </a:endParaRPr>
+          </a:p>
+        </p:txBody>
+      </p:sp>
+    </p:spTree>
+    <p:extLst>
+      <p:ext uri="{BB962C8B-B14F-4D97-AF65-F5344CB8AC3E}">
+        <p14:creationId xmlns:p14="http://schemas.microsoft.com/office/powerpoint/2010/main" val="585647999"/>
+      </p:ext>
+    </p:extLst>
+  </p:cSld>
+  <p:clrMapOvr>
+    <a:masterClrMapping/>
+  </p:clrMapOvr>
+</p:sld>
+</file>
+
+<file path=ppt/slides/slide12.xml><?xml version="1.0" encoding="utf-8"?>
+<p:sld xmlns:a="http://schemas.openxmlformats.org/drawingml/2006/main" xmlns:r="http://schemas.openxmlformats.org/officeDocument/2006/relationships" xmlns:p="http://schemas.openxmlformats.org/presentationml/2006/main">
+  <p:cSld>
+    <p:spTree>
+      <p:nvGrpSpPr>
+        <p:cNvPr id="1" name=""/>
+        <p:cNvGrpSpPr/>
+        <p:nvPr/>
+      </p:nvGrpSpPr>
+      <p:grpSpPr>
+        <a:xfrm>
+          <a:off x="0" y="0"/>
+          <a:ext cx="0" cy="0"/>
+          <a:chOff x="0" y="0"/>
+          <a:chExt cx="0" cy="0"/>
+        </a:xfrm>
+      </p:grpSpPr>
+      <p:grpSp>
+        <p:nvGrpSpPr>
+          <p:cNvPr id="5" name="그룹 4">
+            <a:extLst>
+              <a:ext uri="{FF2B5EF4-FFF2-40B4-BE49-F238E27FC236}">
+                <a16:creationId xmlns:a16="http://schemas.microsoft.com/office/drawing/2014/main" id="{2515F655-4CA2-99C8-F364-BA7B02195D50}"/>
+              </a:ext>
+            </a:extLst>
+          </p:cNvPr>
+          <p:cNvGrpSpPr/>
+          <p:nvPr/>
+        </p:nvGrpSpPr>
+        <p:grpSpPr>
+          <a:xfrm>
+            <a:off x="828848" y="1867961"/>
+            <a:ext cx="10534304" cy="3553591"/>
+            <a:chOff x="987136" y="-2505919"/>
+            <a:chExt cx="14857148" cy="5011838"/>
+          </a:xfrm>
+        </p:grpSpPr>
+        <p:pic>
+          <p:nvPicPr>
+            <p:cNvPr id="1026" name="Picture 2" descr="Survivor.ai_Chart 1">
+              <a:extLst>
+                <a:ext uri="{FF2B5EF4-FFF2-40B4-BE49-F238E27FC236}">
+                  <a16:creationId xmlns:a16="http://schemas.microsoft.com/office/drawing/2014/main" id="{614B772B-CF16-1002-C950-56E2C1E76C42}"/>
+                </a:ext>
+              </a:extLst>
+            </p:cNvPr>
+            <p:cNvPicPr>
+              <a:picLocks noChangeAspect="1" noChangeArrowheads="1"/>
+            </p:cNvPicPr>
+            <p:nvPr/>
+          </p:nvPicPr>
+          <p:blipFill rotWithShape="1">
+            <a:blip r:embed="rId2">
+              <a:extLst>
+                <a:ext uri="{28A0092B-C50C-407E-A947-70E740481C1C}">
+                  <a14:useLocalDpi xmlns:a14="http://schemas.microsoft.com/office/drawing/2010/main" val="0"/>
+                </a:ext>
+              </a:extLst>
+            </a:blip>
+            <a:srcRect l="13377" t="14008" r="19325" b="12912"/>
+            <a:stretch>
+              <a:fillRect/>
+            </a:stretch>
+          </p:blipFill>
+          <p:spPr bwMode="auto">
+            <a:xfrm>
+              <a:off x="987136" y="-2505919"/>
+              <a:ext cx="6899564" cy="5011838"/>
+            </a:xfrm>
+            <a:prstGeom prst="rect">
+              <a:avLst/>
+            </a:prstGeom>
+            <a:noFill/>
+            <a:extLst>
+              <a:ext uri="{909E8E84-426E-40DD-AFC4-6F175D3DCCD1}">
+                <a14:hiddenFill xmlns:a14="http://schemas.microsoft.com/office/drawing/2010/main">
+                  <a:solidFill>
+                    <a:srgbClr val="FFFFFF"/>
+                  </a:solidFill>
+                </a14:hiddenFill>
+              </a:ext>
+            </a:extLst>
+          </p:spPr>
+        </p:pic>
+        <p:pic>
+          <p:nvPicPr>
+            <p:cNvPr id="1028" name="Picture 4" descr="Survivor.io_Chart 3 updated">
+              <a:extLst>
+                <a:ext uri="{FF2B5EF4-FFF2-40B4-BE49-F238E27FC236}">
+                  <a16:creationId xmlns:a16="http://schemas.microsoft.com/office/drawing/2014/main" id="{E3BBF67E-108C-B2D5-F26A-4976AA94EB56}"/>
+                </a:ext>
+              </a:extLst>
+            </p:cNvPr>
+            <p:cNvPicPr>
+              <a:picLocks noChangeAspect="1" noChangeArrowheads="1"/>
+            </p:cNvPicPr>
+            <p:nvPr/>
+          </p:nvPicPr>
+          <p:blipFill rotWithShape="1">
+            <a:blip r:embed="rId3">
+              <a:extLst>
+                <a:ext uri="{28A0092B-C50C-407E-A947-70E740481C1C}">
+                  <a14:useLocalDpi xmlns:a14="http://schemas.microsoft.com/office/drawing/2010/main" val="0"/>
+                </a:ext>
+              </a:extLst>
+            </a:blip>
+            <a:srcRect l="11043" t="14008" r="17708" b="12912"/>
+            <a:stretch>
+              <a:fillRect/>
+            </a:stretch>
+          </p:blipFill>
+          <p:spPr bwMode="auto">
+            <a:xfrm>
+              <a:off x="8539716" y="-2505919"/>
+              <a:ext cx="7304568" cy="5011838"/>
+            </a:xfrm>
+            <a:prstGeom prst="rect">
+              <a:avLst/>
+            </a:prstGeom>
+            <a:noFill/>
+            <a:extLst>
+              <a:ext uri="{909E8E84-426E-40DD-AFC4-6F175D3DCCD1}">
+                <a14:hiddenFill xmlns:a14="http://schemas.microsoft.com/office/drawing/2010/main">
+                  <a:solidFill>
+                    <a:srgbClr val="FFFFFF"/>
+                  </a:solidFill>
+                </a14:hiddenFill>
+              </a:ext>
+            </a:extLst>
+          </p:spPr>
+        </p:pic>
+      </p:grpSp>
+    </p:spTree>
+    <p:extLst>
+      <p:ext uri="{BB962C8B-B14F-4D97-AF65-F5344CB8AC3E}">
+        <p14:creationId xmlns:p14="http://schemas.microsoft.com/office/powerpoint/2010/main" val="1528740361"/>
       </p:ext>
     </p:extLst>
   </p:cSld>
